--- a/week_03/day_4/presentation_JR.pptx
+++ b/week_03/day_4/presentation_JR.pptx
@@ -5,18 +5,20 @@
     <p:sldMasterId id="2147483648" r:id="rId4"/>
   </p:sldMasterIdLst>
   <p:notesMasterIdLst>
-    <p:notesMasterId r:id="rId11"/>
+    <p:notesMasterId r:id="rId13"/>
   </p:notesMasterIdLst>
   <p:handoutMasterIdLst>
-    <p:handoutMasterId r:id="rId12"/>
+    <p:handoutMasterId r:id="rId14"/>
   </p:handoutMasterIdLst>
   <p:sldIdLst>
     <p:sldId id="256" r:id="rId5"/>
-    <p:sldId id="261" r:id="rId6"/>
-    <p:sldId id="257" r:id="rId7"/>
-    <p:sldId id="267" r:id="rId8"/>
-    <p:sldId id="260" r:id="rId9"/>
-    <p:sldId id="275" r:id="rId10"/>
+    <p:sldId id="276" r:id="rId6"/>
+    <p:sldId id="261" r:id="rId7"/>
+    <p:sldId id="257" r:id="rId8"/>
+    <p:sldId id="278" r:id="rId9"/>
+    <p:sldId id="267" r:id="rId10"/>
+    <p:sldId id="260" r:id="rId11"/>
+    <p:sldId id="275" r:id="rId12"/>
   </p:sldIdLst>
   <p:sldSz cx="12192000" cy="6858000"/>
   <p:notesSz cx="9144000" cy="6858000"/>
@@ -234,7 +236,7 @@
             <a:pPr rtl="0"/>
             <a:fld id="{AB1389FC-84BB-41A0-BC92-057C08DC342F}" type="datetime1">
               <a:rPr lang="en-GB" smtClean="0"/>
-              <a:t>08/06/2023</a:t>
+              <a:t>09/06/2023</a:t>
             </a:fld>
             <a:endParaRPr lang="en-GB" dirty="0"/>
           </a:p>
@@ -416,7 +418,7 @@
             <a:fld id="{4909B039-1C6C-4DB3-861A-76F1FF2AC578}" type="datetime1">
               <a:rPr lang="en-GB" noProof="0" smtClean="0"/>
               <a:pPr/>
-              <a:t>08/06/2023</a:t>
+              <a:t>09/06/2023</a:t>
             </a:fld>
             <a:endParaRPr lang="en-GB" noProof="0"/>
           </a:p>
@@ -839,7 +841,7 @@
             <a:pPr rtl="0"/>
             <a:fld id="{F97DC217-DF71-1A49-B3EA-559F1F43B0FF}" type="slidenum">
               <a:rPr lang="en-GB" smtClean="0"/>
-              <a:t>2</a:t>
+              <a:t>3</a:t>
             </a:fld>
             <a:endParaRPr lang="en-GB"/>
           </a:p>
@@ -1196,7 +1198,7 @@
             <a:pPr rtl="0"/>
             <a:fld id="{F97DC217-DF71-1A49-B3EA-559F1F43B0FF}" type="slidenum">
               <a:rPr lang="en-GB" smtClean="0"/>
-              <a:t>3</a:t>
+              <a:t>4</a:t>
             </a:fld>
             <a:endParaRPr lang="en-GB" dirty="0"/>
           </a:p>
@@ -1259,10 +1261,29 @@
           <a:bodyPr/>
           <a:lstStyle/>
           <a:p>
-            <a:r>
-              <a:rPr lang="en-GB" noProof="0" dirty="0"/>
-              <a:t>Data security </a:t>
-            </a:r>
+            <a:pPr rtl="0"/>
+            <a:r>
+              <a:rPr lang="en-GB" dirty="0"/>
+              <a:t>Data security</a:t>
+            </a:r>
+          </a:p>
+          <a:p>
+            <a:pPr rtl="0"/>
+            <a:r>
+              <a:rPr lang="en-GB" dirty="0"/>
+              <a:t>Data privacy</a:t>
+            </a:r>
+          </a:p>
+          <a:p>
+            <a:pPr rtl="0"/>
+            <a:r>
+              <a:rPr lang="en-GB" dirty="0"/>
+              <a:t>Misuse of data already collected</a:t>
+            </a:r>
+          </a:p>
+          <a:p>
+            <a:pPr rtl="0"/>
+            <a:endParaRPr lang="en-GB" dirty="0"/>
           </a:p>
           <a:p>
             <a:r>
@@ -1277,13 +1298,8 @@
             </a:pPr>
             <a:r>
               <a:rPr lang="en-GB" noProof="0" dirty="0"/>
-              <a:t>Data is being collected without the users consent as often is deeply buried into the users agreement or in order to be able to use the product we have to agree to their privacy policy, so there is no really the </a:t>
-            </a:r>
-            <a:r>
-              <a:rPr lang="en-GB" noProof="0" dirty="0" err="1"/>
-              <a:t>chocuie</a:t>
-            </a:r>
-            <a:endParaRPr lang="en-GB" noProof="0" dirty="0"/>
+              <a:t>Data is being collected without the users consent as often is deeply buried into the users agreement or in order to be able to use the product we have to agree to their privacy policy, so there is no really the choice</a:t>
+            </a:r>
           </a:p>
           <a:p>
             <a:pPr marL="171450" indent="-171450">
@@ -1294,13 +1310,6 @@
               <a:rPr lang="en-GB" dirty="0"/>
               <a:t>There’s no control of the data already gathered</a:t>
             </a:r>
-          </a:p>
-          <a:p>
-            <a:pPr marL="171450" indent="-171450">
-              <a:buFontTx/>
-              <a:buChar char="-"/>
-            </a:pPr>
-            <a:endParaRPr lang="en-GB" noProof="0" dirty="0"/>
           </a:p>
           <a:p>
             <a:pPr marL="171450" indent="-171450">
@@ -1327,6 +1336,17 @@
               <a:t> customers to use their product only by creating their own eco system</a:t>
             </a:r>
             <a:endParaRPr lang="en-GB" noProof="0" dirty="0"/>
+          </a:p>
+          <a:p>
+            <a:pPr rtl="0"/>
+            <a:endParaRPr lang="en-GB" dirty="0"/>
+          </a:p>
+          <a:p>
+            <a:pPr rtl="0"/>
+            <a:endParaRPr lang="en-GB" dirty="0"/>
+          </a:p>
+          <a:p>
+            <a:endParaRPr lang="en-GB" dirty="0"/>
           </a:p>
         </p:txBody>
       </p:sp>
@@ -1347,17 +1367,17 @@
           <a:p>
             <a:pPr rtl="0"/>
             <a:fld id="{F97DC217-DF71-1A49-B3EA-559F1F43B0FF}" type="slidenum">
-              <a:rPr lang="en-GB" smtClean="0"/>
-              <a:t>4</a:t>
+              <a:rPr lang="en-GB" noProof="0" smtClean="0"/>
+              <a:t>5</a:t>
             </a:fld>
-            <a:endParaRPr lang="en-GB"/>
+            <a:endParaRPr lang="en-GB" noProof="0"/>
           </a:p>
         </p:txBody>
       </p:sp>
     </p:spTree>
     <p:extLst>
       <p:ext uri="{BB962C8B-B14F-4D97-AF65-F5344CB8AC3E}">
-        <p14:creationId xmlns:p14="http://schemas.microsoft.com/office/powerpoint/2010/main" val="1935013052"/>
+        <p14:creationId xmlns:p14="http://schemas.microsoft.com/office/powerpoint/2010/main" val="3997333425"/>
       </p:ext>
     </p:extLst>
   </p:cSld>
@@ -1411,6 +1431,73 @@
           <a:bodyPr/>
           <a:lstStyle/>
           <a:p>
+            <a:r>
+              <a:rPr lang="en-GB" noProof="0" dirty="0"/>
+              <a:t>Data security </a:t>
+            </a:r>
+          </a:p>
+          <a:p>
+            <a:r>
+              <a:rPr lang="en-GB" noProof="0" dirty="0"/>
+              <a:t>– personal data can be indirectly gathered from a non sensitive data</a:t>
+            </a:r>
+          </a:p>
+          <a:p>
+            <a:pPr marL="171450" indent="-171450">
+              <a:buFontTx/>
+              <a:buChar char="-"/>
+            </a:pPr>
+            <a:r>
+              <a:rPr lang="en-GB" noProof="0" dirty="0"/>
+              <a:t>Data is being collected without the users consent as often is deeply buried into the users agreement or in order to be able to use the product we have to agree to their privacy policy, so there is no really the </a:t>
+            </a:r>
+            <a:r>
+              <a:rPr lang="en-GB" noProof="0" dirty="0" err="1"/>
+              <a:t>chocuie</a:t>
+            </a:r>
+            <a:endParaRPr lang="en-GB" noProof="0" dirty="0"/>
+          </a:p>
+          <a:p>
+            <a:pPr marL="171450" indent="-171450">
+              <a:buFontTx/>
+              <a:buChar char="-"/>
+            </a:pPr>
+            <a:r>
+              <a:rPr lang="en-GB" dirty="0"/>
+              <a:t>There’s no control of the data already gathered</a:t>
+            </a:r>
+          </a:p>
+          <a:p>
+            <a:pPr marL="171450" indent="-171450">
+              <a:buFontTx/>
+              <a:buChar char="-"/>
+            </a:pPr>
+            <a:endParaRPr lang="en-GB" noProof="0" dirty="0"/>
+          </a:p>
+          <a:p>
+            <a:pPr marL="171450" indent="-171450">
+              <a:buFontTx/>
+              <a:buChar char="-"/>
+            </a:pPr>
+            <a:endParaRPr lang="en-GB" dirty="0"/>
+          </a:p>
+          <a:p>
+            <a:pPr marL="171450" indent="-171450">
+              <a:buFontTx/>
+              <a:buChar char="-"/>
+            </a:pPr>
+            <a:r>
+              <a:rPr lang="en-GB" noProof="0" dirty="0"/>
+              <a:t>Some companies are ty</a:t>
+            </a:r>
+            <a:r>
+              <a:rPr lang="en-GB" dirty="0" err="1"/>
+              <a:t>ing</a:t>
+            </a:r>
+            <a:r>
+              <a:rPr lang="en-GB" dirty="0"/>
+              <a:t> customers to use their product only by creating their own eco system</a:t>
+            </a:r>
             <a:endParaRPr lang="en-GB" noProof="0" dirty="0"/>
           </a:p>
         </p:txBody>
@@ -1433,7 +1520,7 @@
             <a:pPr rtl="0"/>
             <a:fld id="{F97DC217-DF71-1A49-B3EA-559F1F43B0FF}" type="slidenum">
               <a:rPr lang="en-GB" smtClean="0"/>
-              <a:t>5</a:t>
+              <a:t>6</a:t>
             </a:fld>
             <a:endParaRPr lang="en-GB"/>
           </a:p>
@@ -1442,7 +1529,7 @@
     </p:spTree>
     <p:extLst>
       <p:ext uri="{BB962C8B-B14F-4D97-AF65-F5344CB8AC3E}">
-        <p14:creationId xmlns:p14="http://schemas.microsoft.com/office/powerpoint/2010/main" val="2706690204"/>
+        <p14:creationId xmlns:p14="http://schemas.microsoft.com/office/powerpoint/2010/main" val="1935013052"/>
       </p:ext>
     </p:extLst>
   </p:cSld>
@@ -1496,6 +1583,165 @@
           <a:bodyPr/>
           <a:lstStyle/>
           <a:p>
+            <a:pPr marL="971550" indent="-285750">
+              <a:lnSpc>
+                <a:spcPct val="107000"/>
+              </a:lnSpc>
+              <a:spcAft>
+                <a:spcPts val="800"/>
+              </a:spcAft>
+              <a:buFont typeface="Arial" panose="020B0604020202020204" pitchFamily="34" charset="0"/>
+              <a:buChar char="•"/>
+            </a:pPr>
+            <a:r>
+              <a:rPr lang="en-GB" sz="1200" kern="100" dirty="0">
+                <a:latin typeface="Calibri" panose="020F0502020204030204" pitchFamily="34" charset="0"/>
+                <a:ea typeface="Calibri" panose="020F0502020204030204" pitchFamily="34" charset="0"/>
+                <a:cs typeface="Times New Roman" panose="02020603050405020304" pitchFamily="18" charset="0"/>
+              </a:rPr>
+              <a:t>Customers should </a:t>
+            </a:r>
+            <a:r>
+              <a:rPr lang="en-GB" sz="1200" kern="100" dirty="0">
+                <a:effectLst/>
+                <a:latin typeface="Calibri" panose="020F0502020204030204" pitchFamily="34" charset="0"/>
+                <a:ea typeface="Calibri" panose="020F0502020204030204" pitchFamily="34" charset="0"/>
+                <a:cs typeface="Times New Roman" panose="02020603050405020304" pitchFamily="18" charset="0"/>
+              </a:rPr>
+              <a:t>be able to consent to what data will be collected and how and for how long the data will be stored </a:t>
+            </a:r>
+            <a:r>
+              <a:rPr lang="en-GB" sz="1200" kern="100" dirty="0">
+                <a:latin typeface="Calibri" panose="020F0502020204030204" pitchFamily="34" charset="0"/>
+                <a:ea typeface="Calibri" panose="020F0502020204030204" pitchFamily="34" charset="0"/>
+                <a:cs typeface="Times New Roman" panose="02020603050405020304" pitchFamily="18" charset="0"/>
+              </a:rPr>
+              <a:t>and used ( can this be regulated in some ways?)</a:t>
+            </a:r>
+            <a:endParaRPr lang="en-GB" sz="1200" kern="100" dirty="0">
+              <a:effectLst/>
+              <a:latin typeface="Calibri" panose="020F0502020204030204" pitchFamily="34" charset="0"/>
+              <a:ea typeface="Calibri" panose="020F0502020204030204" pitchFamily="34" charset="0"/>
+              <a:cs typeface="Times New Roman" panose="02020603050405020304" pitchFamily="18" charset="0"/>
+            </a:endParaRPr>
+          </a:p>
+          <a:p>
+            <a:pPr marL="971550" indent="-285750">
+              <a:lnSpc>
+                <a:spcPct val="107000"/>
+              </a:lnSpc>
+              <a:spcAft>
+                <a:spcPts val="800"/>
+              </a:spcAft>
+              <a:buFont typeface="Arial" panose="020B0604020202020204" pitchFamily="34" charset="0"/>
+              <a:buChar char="•"/>
+            </a:pPr>
+            <a:r>
+              <a:rPr lang="en-GB" sz="1200" kern="100" dirty="0">
+                <a:effectLst/>
+                <a:latin typeface="Calibri" panose="020F0502020204030204" pitchFamily="34" charset="0"/>
+                <a:ea typeface="Calibri" panose="020F0502020204030204" pitchFamily="34" charset="0"/>
+                <a:cs typeface="Times New Roman" panose="02020603050405020304" pitchFamily="18" charset="0"/>
+              </a:rPr>
+              <a:t>collected and how and for how long the data will be stored </a:t>
+            </a:r>
+            <a:r>
+              <a:rPr lang="en-GB" sz="1200" kern="100" dirty="0">
+                <a:latin typeface="Calibri" panose="020F0502020204030204" pitchFamily="34" charset="0"/>
+                <a:ea typeface="Calibri" panose="020F0502020204030204" pitchFamily="34" charset="0"/>
+                <a:cs typeface="Times New Roman" panose="02020603050405020304" pitchFamily="18" charset="0"/>
+              </a:rPr>
+              <a:t>and used ( can this be regulated in some ways?)</a:t>
+            </a:r>
+          </a:p>
+          <a:p>
+            <a:pPr marL="971550" indent="-285750">
+              <a:lnSpc>
+                <a:spcPct val="107000"/>
+              </a:lnSpc>
+              <a:spcAft>
+                <a:spcPts val="800"/>
+              </a:spcAft>
+              <a:buFont typeface="Arial" panose="020B0604020202020204" pitchFamily="34" charset="0"/>
+              <a:buChar char="•"/>
+            </a:pPr>
+            <a:r>
+              <a:rPr lang="en-GB" sz="1200" kern="100" dirty="0">
+                <a:effectLst/>
+                <a:latin typeface="Calibri" panose="020F0502020204030204" pitchFamily="34" charset="0"/>
+                <a:ea typeface="Calibri" panose="020F0502020204030204" pitchFamily="34" charset="0"/>
+                <a:cs typeface="Times New Roman" panose="02020603050405020304" pitchFamily="18" charset="0"/>
+              </a:rPr>
+              <a:t>Data could/should be anonymised by the company ( can this be guaranteed by some regulations?)</a:t>
+            </a:r>
+          </a:p>
+          <a:p>
+            <a:pPr marL="971550" indent="-285750">
+              <a:lnSpc>
+                <a:spcPct val="107000"/>
+              </a:lnSpc>
+              <a:spcAft>
+                <a:spcPts val="800"/>
+              </a:spcAft>
+              <a:buFont typeface="Arial" panose="020B0604020202020204" pitchFamily="34" charset="0"/>
+              <a:buChar char="•"/>
+            </a:pPr>
+            <a:r>
+              <a:rPr lang="en-GB" sz="1200" kern="100" dirty="0">
+                <a:latin typeface="Calibri" panose="020F0502020204030204" pitchFamily="34" charset="0"/>
+                <a:ea typeface="Calibri" panose="020F0502020204030204" pitchFamily="34" charset="0"/>
+                <a:cs typeface="Times New Roman" panose="02020603050405020304" pitchFamily="18" charset="0"/>
+              </a:rPr>
+              <a:t>Better security features should be a priority to companies that own the product</a:t>
+            </a:r>
+            <a:endParaRPr lang="en-GB" sz="1200" kern="100" dirty="0">
+              <a:effectLst/>
+              <a:latin typeface="Calibri" panose="020F0502020204030204" pitchFamily="34" charset="0"/>
+              <a:ea typeface="Calibri" panose="020F0502020204030204" pitchFamily="34" charset="0"/>
+              <a:cs typeface="Times New Roman" panose="02020603050405020304" pitchFamily="18" charset="0"/>
+            </a:endParaRPr>
+          </a:p>
+          <a:p>
+            <a:pPr marL="685800">
+              <a:lnSpc>
+                <a:spcPct val="107000"/>
+              </a:lnSpc>
+              <a:spcAft>
+                <a:spcPts val="800"/>
+              </a:spcAft>
+            </a:pPr>
+            <a:r>
+              <a:rPr lang="en-GB" sz="1200" kern="100" dirty="0">
+                <a:effectLst/>
+                <a:latin typeface="Calibri" panose="020F0502020204030204" pitchFamily="34" charset="0"/>
+                <a:ea typeface="Calibri" panose="020F0502020204030204" pitchFamily="34" charset="0"/>
+                <a:cs typeface="Times New Roman" panose="02020603050405020304" pitchFamily="18" charset="0"/>
+              </a:rPr>
+              <a:t> DATA SCIENTISTS/DATA ENGINEERS /DATA ANALYSTS</a:t>
+            </a:r>
+          </a:p>
+          <a:p>
+            <a:pPr marL="971550" indent="-285750">
+              <a:lnSpc>
+                <a:spcPct val="107000"/>
+              </a:lnSpc>
+              <a:spcAft>
+                <a:spcPts val="800"/>
+              </a:spcAft>
+              <a:buFont typeface="Arial" panose="020B0604020202020204" pitchFamily="34" charset="0"/>
+              <a:buChar char="•"/>
+            </a:pPr>
+            <a:r>
+              <a:rPr lang="en-GB" sz="1200" kern="100" dirty="0">
+                <a:effectLst/>
+                <a:latin typeface="Calibri" panose="020F0502020204030204" pitchFamily="34" charset="0"/>
+                <a:ea typeface="Calibri" panose="020F0502020204030204" pitchFamily="34" charset="0"/>
+                <a:cs typeface="Times New Roman" panose="02020603050405020304" pitchFamily="18" charset="0"/>
+              </a:rPr>
+              <a:t>Should there be a professional code of conduct developed or are we leaving the decision to individual hoping the conscientiousness and moral principles win over financial and power gain?</a:t>
+            </a:r>
+          </a:p>
+          <a:p>
             <a:endParaRPr lang="en-GB" noProof="0" dirty="0"/>
           </a:p>
         </p:txBody>
@@ -1518,7 +1764,92 @@
             <a:pPr rtl="0"/>
             <a:fld id="{F97DC217-DF71-1A49-B3EA-559F1F43B0FF}" type="slidenum">
               <a:rPr lang="en-GB" smtClean="0"/>
-              <a:t>6</a:t>
+              <a:t>7</a:t>
+            </a:fld>
+            <a:endParaRPr lang="en-GB"/>
+          </a:p>
+        </p:txBody>
+      </p:sp>
+    </p:spTree>
+    <p:extLst>
+      <p:ext uri="{BB962C8B-B14F-4D97-AF65-F5344CB8AC3E}">
+        <p14:creationId xmlns:p14="http://schemas.microsoft.com/office/powerpoint/2010/main" val="2706690204"/>
+      </p:ext>
+    </p:extLst>
+  </p:cSld>
+  <p:clrMapOvr>
+    <a:masterClrMapping/>
+  </p:clrMapOvr>
+</p:notes>
+</file>
+
+<file path=ppt/notesSlides/notesSlide7.xml><?xml version="1.0" encoding="utf-8"?>
+<p:notes xmlns:a="http://schemas.openxmlformats.org/drawingml/2006/main" xmlns:r="http://schemas.openxmlformats.org/officeDocument/2006/relationships" xmlns:p="http://schemas.openxmlformats.org/presentationml/2006/main">
+  <p:cSld>
+    <p:spTree>
+      <p:nvGrpSpPr>
+        <p:cNvPr id="1" name=""/>
+        <p:cNvGrpSpPr/>
+        <p:nvPr/>
+      </p:nvGrpSpPr>
+      <p:grpSpPr>
+        <a:xfrm>
+          <a:off x="0" y="0"/>
+          <a:ext cx="0" cy="0"/>
+          <a:chOff x="0" y="0"/>
+          <a:chExt cx="0" cy="0"/>
+        </a:xfrm>
+      </p:grpSpPr>
+      <p:sp>
+        <p:nvSpPr>
+          <p:cNvPr id="2" name="Slide Image Placeholder 1"/>
+          <p:cNvSpPr>
+            <a:spLocks noGrp="1" noRot="1" noChangeAspect="1"/>
+          </p:cNvSpPr>
+          <p:nvPr>
+            <p:ph type="sldImg"/>
+          </p:nvPr>
+        </p:nvSpPr>
+        <p:spPr/>
+      </p:sp>
+      <p:sp>
+        <p:nvSpPr>
+          <p:cNvPr id="3" name="Notes Placeholder 2"/>
+          <p:cNvSpPr>
+            <a:spLocks noGrp="1"/>
+          </p:cNvSpPr>
+          <p:nvPr>
+            <p:ph type="body" idx="1"/>
+          </p:nvPr>
+        </p:nvSpPr>
+        <p:spPr/>
+        <p:txBody>
+          <a:bodyPr/>
+          <a:lstStyle/>
+          <a:p>
+            <a:endParaRPr lang="en-GB" noProof="0" dirty="0"/>
+          </a:p>
+        </p:txBody>
+      </p:sp>
+      <p:sp>
+        <p:nvSpPr>
+          <p:cNvPr id="4" name="Slide Number Placeholder 3"/>
+          <p:cNvSpPr>
+            <a:spLocks noGrp="1"/>
+          </p:cNvSpPr>
+          <p:nvPr>
+            <p:ph type="sldNum" sz="quarter" idx="5"/>
+          </p:nvPr>
+        </p:nvSpPr>
+        <p:spPr/>
+        <p:txBody>
+          <a:bodyPr/>
+          <a:lstStyle/>
+          <a:p>
+            <a:pPr rtl="0"/>
+            <a:fld id="{F97DC217-DF71-1A49-B3EA-559F1F43B0FF}" type="slidenum">
+              <a:rPr lang="en-GB" smtClean="0"/>
+              <a:t>8</a:t>
             </a:fld>
             <a:endParaRPr lang="en-GB"/>
           </a:p>
@@ -14093,10 +14424,104 @@
       </p:grpSpPr>
       <p:sp>
         <p:nvSpPr>
-          <p:cNvPr id="7" name="Slide Number Placeholder 6">
-            <a:extLst>
-              <a:ext uri="{FF2B5EF4-FFF2-40B4-BE49-F238E27FC236}">
-                <a16:creationId xmlns:a16="http://schemas.microsoft.com/office/drawing/2014/main" id="{50A86E01-62BB-5145-A6C3-515717DD327C}"/>
+          <p:cNvPr id="2" name="Title 1">
+            <a:extLst>
+              <a:ext uri="{FF2B5EF4-FFF2-40B4-BE49-F238E27FC236}">
+                <a16:creationId xmlns:a16="http://schemas.microsoft.com/office/drawing/2014/main" id="{14D0A595-22A7-F23B-AEED-5B3BF64BEEE7}"/>
+              </a:ext>
+            </a:extLst>
+          </p:cNvPr>
+          <p:cNvSpPr>
+            <a:spLocks noGrp="1"/>
+          </p:cNvSpPr>
+          <p:nvPr>
+            <p:ph type="title"/>
+          </p:nvPr>
+        </p:nvSpPr>
+        <p:spPr/>
+        <p:txBody>
+          <a:bodyPr/>
+          <a:lstStyle/>
+          <a:p>
+            <a:r>
+              <a:rPr lang="en-GB" dirty="0"/>
+              <a:t>Summary</a:t>
+            </a:r>
+          </a:p>
+        </p:txBody>
+      </p:sp>
+      <p:sp>
+        <p:nvSpPr>
+          <p:cNvPr id="3" name="Content Placeholder 2">
+            <a:extLst>
+              <a:ext uri="{FF2B5EF4-FFF2-40B4-BE49-F238E27FC236}">
+                <a16:creationId xmlns:a16="http://schemas.microsoft.com/office/drawing/2014/main" id="{D78F1FF0-E34B-EBF6-D2AE-3D240A8AE743}"/>
+              </a:ext>
+            </a:extLst>
+          </p:cNvPr>
+          <p:cNvSpPr>
+            <a:spLocks noGrp="1"/>
+          </p:cNvSpPr>
+          <p:nvPr>
+            <p:ph idx="1"/>
+          </p:nvPr>
+        </p:nvSpPr>
+        <p:spPr>
+          <a:xfrm>
+            <a:off x="1206409" y="2213527"/>
+            <a:ext cx="9779182" cy="3366813"/>
+          </a:xfrm>
+        </p:spPr>
+        <p:txBody>
+          <a:bodyPr/>
+          <a:lstStyle/>
+          <a:p>
+            <a:pPr marL="514350" indent="-514350">
+              <a:lnSpc>
+                <a:spcPct val="150000"/>
+              </a:lnSpc>
+              <a:buAutoNum type="arabicPeriod"/>
+            </a:pPr>
+            <a:r>
+              <a:rPr lang="en-GB" sz="3200" dirty="0"/>
+              <a:t>Smart Tech at home – how it looks like.</a:t>
+            </a:r>
+          </a:p>
+          <a:p>
+            <a:pPr marL="514350" indent="-514350">
+              <a:lnSpc>
+                <a:spcPct val="150000"/>
+              </a:lnSpc>
+              <a:buAutoNum type="arabicPeriod"/>
+            </a:pPr>
+            <a:r>
+              <a:rPr lang="en-GB" sz="3200" dirty="0"/>
+              <a:t>PROS and CONS of smart home.</a:t>
+            </a:r>
+          </a:p>
+          <a:p>
+            <a:pPr marL="514350" indent="-514350">
+              <a:lnSpc>
+                <a:spcPct val="150000"/>
+              </a:lnSpc>
+              <a:buAutoNum type="arabicPeriod"/>
+            </a:pPr>
+            <a:r>
+              <a:rPr lang="en-GB" sz="3200" dirty="0"/>
+              <a:t>Conclusions.</a:t>
+            </a:r>
+          </a:p>
+          <a:p>
+            <a:endParaRPr lang="en-GB" dirty="0"/>
+          </a:p>
+        </p:txBody>
+      </p:sp>
+      <p:sp>
+        <p:nvSpPr>
+          <p:cNvPr id="6" name="Slide Number Placeholder 5">
+            <a:extLst>
+              <a:ext uri="{FF2B5EF4-FFF2-40B4-BE49-F238E27FC236}">
+                <a16:creationId xmlns:a16="http://schemas.microsoft.com/office/drawing/2014/main" id="{FC9E9CC6-A124-32AA-9304-8CFB3581BC6D}"/>
               </a:ext>
             </a:extLst>
           </p:cNvPr>
@@ -14109,6 +14534,67 @@
         </p:nvSpPr>
         <p:spPr/>
         <p:txBody>
+          <a:bodyPr/>
+          <a:lstStyle/>
+          <a:p>
+            <a:pPr rtl="0"/>
+            <a:fld id="{294A09A9-5501-47C1-A89A-A340965A2BE2}" type="slidenum">
+              <a:rPr lang="en-GB" noProof="0" smtClean="0"/>
+              <a:pPr rtl="0"/>
+              <a:t>2</a:t>
+            </a:fld>
+            <a:endParaRPr lang="en-GB" noProof="0" dirty="0"/>
+          </a:p>
+        </p:txBody>
+      </p:sp>
+    </p:spTree>
+    <p:extLst>
+      <p:ext uri="{BB962C8B-B14F-4D97-AF65-F5344CB8AC3E}">
+        <p14:creationId xmlns:p14="http://schemas.microsoft.com/office/powerpoint/2010/main" val="3858798547"/>
+      </p:ext>
+    </p:extLst>
+  </p:cSld>
+  <p:clrMapOvr>
+    <a:masterClrMapping/>
+  </p:clrMapOvr>
+</p:sld>
+</file>
+
+<file path=ppt/slides/slide3.xml><?xml version="1.0" encoding="utf-8"?>
+<p:sld xmlns:a="http://schemas.openxmlformats.org/drawingml/2006/main" xmlns:r="http://schemas.openxmlformats.org/officeDocument/2006/relationships" xmlns:p="http://schemas.openxmlformats.org/presentationml/2006/main">
+  <p:cSld>
+    <p:spTree>
+      <p:nvGrpSpPr>
+        <p:cNvPr id="1" name=""/>
+        <p:cNvGrpSpPr/>
+        <p:nvPr/>
+      </p:nvGrpSpPr>
+      <p:grpSpPr>
+        <a:xfrm>
+          <a:off x="0" y="0"/>
+          <a:ext cx="0" cy="0"/>
+          <a:chOff x="0" y="0"/>
+          <a:chExt cx="0" cy="0"/>
+        </a:xfrm>
+      </p:grpSpPr>
+      <p:sp>
+        <p:nvSpPr>
+          <p:cNvPr id="7" name="Slide Number Placeholder 6">
+            <a:extLst>
+              <a:ext uri="{FF2B5EF4-FFF2-40B4-BE49-F238E27FC236}">
+                <a16:creationId xmlns:a16="http://schemas.microsoft.com/office/drawing/2014/main" id="{50A86E01-62BB-5145-A6C3-515717DD327C}"/>
+              </a:ext>
+            </a:extLst>
+          </p:cNvPr>
+          <p:cNvSpPr>
+            <a:spLocks noGrp="1"/>
+          </p:cNvSpPr>
+          <p:nvPr>
+            <p:ph type="sldNum" sz="quarter" idx="4"/>
+          </p:nvPr>
+        </p:nvSpPr>
+        <p:spPr/>
+        <p:txBody>
           <a:bodyPr rtlCol="0"/>
           <a:lstStyle/>
           <a:p>
@@ -14116,7 +14602,7 @@
             <a:fld id="{294A09A9-5501-47C1-A89A-A340965A2BE2}" type="slidenum">
               <a:rPr lang="en-GB" smtClean="0"/>
               <a:pPr rtl="0"/>
-              <a:t>2</a:t>
+              <a:t>3</a:t>
             </a:fld>
             <a:endParaRPr lang="en-GB" dirty="0"/>
           </a:p>
@@ -14640,7 +15126,7 @@
 </p:sld>
 </file>
 
-<file path=ppt/slides/slide3.xml><?xml version="1.0" encoding="utf-8"?>
+<file path=ppt/slides/slide4.xml><?xml version="1.0" encoding="utf-8"?>
 <p:sld xmlns:a="http://schemas.openxmlformats.org/drawingml/2006/main" xmlns:r="http://schemas.openxmlformats.org/officeDocument/2006/relationships" xmlns:p="http://schemas.openxmlformats.org/presentationml/2006/main">
   <p:cSld>
     <p:bg>
@@ -15539,7 +16025,7 @@
                   <a:spcPts val="600"/>
                 </a:spcAft>
               </a:pPr>
-              <a:t>3</a:t>
+              <a:t>4</a:t>
             </a:fld>
             <a:endParaRPr lang="en-GB"/>
           </a:p>
@@ -15834,7 +16320,7 @@
 </p:sld>
 </file>
 
-<file path=ppt/slides/slide4.xml><?xml version="1.0" encoding="utf-8"?>
+<file path=ppt/slides/slide5.xml><?xml version="1.0" encoding="utf-8"?>
 <p:sld xmlns:a="http://schemas.openxmlformats.org/drawingml/2006/main" xmlns:r="http://schemas.openxmlformats.org/officeDocument/2006/relationships" xmlns:p="http://schemas.openxmlformats.org/presentationml/2006/main">
   <p:cSld>
     <p:spTree>
@@ -15856,6 +16342,417 @@
           <p:cNvPr id="2" name="Title 1">
             <a:extLst>
               <a:ext uri="{FF2B5EF4-FFF2-40B4-BE49-F238E27FC236}">
+                <a16:creationId xmlns:a16="http://schemas.microsoft.com/office/drawing/2014/main" id="{415CD361-9FF0-F4B5-5DB6-8F63C0122703}"/>
+              </a:ext>
+            </a:extLst>
+          </p:cNvPr>
+          <p:cNvSpPr>
+            <a:spLocks noGrp="1"/>
+          </p:cNvSpPr>
+          <p:nvPr>
+            <p:ph type="ctrTitle"/>
+          </p:nvPr>
+        </p:nvSpPr>
+        <p:spPr>
+          <a:xfrm>
+            <a:off x="775608" y="1469388"/>
+            <a:ext cx="4757445" cy="1154306"/>
+          </a:xfrm>
+        </p:spPr>
+        <p:txBody>
+          <a:bodyPr/>
+          <a:lstStyle/>
+          <a:p>
+            <a:r>
+              <a:rPr lang="en-GB" dirty="0"/>
+              <a:t>Time saving?</a:t>
+            </a:r>
+          </a:p>
+        </p:txBody>
+      </p:sp>
+      <p:sp>
+        <p:nvSpPr>
+          <p:cNvPr id="3" name="Subtitle 2">
+            <a:extLst>
+              <a:ext uri="{FF2B5EF4-FFF2-40B4-BE49-F238E27FC236}">
+                <a16:creationId xmlns:a16="http://schemas.microsoft.com/office/drawing/2014/main" id="{3431FC02-B06D-D3A7-9CF2-C1FBD09040AE}"/>
+              </a:ext>
+            </a:extLst>
+          </p:cNvPr>
+          <p:cNvSpPr>
+            <a:spLocks noGrp="1"/>
+          </p:cNvSpPr>
+          <p:nvPr>
+            <p:ph type="subTitle" idx="1"/>
+          </p:nvPr>
+        </p:nvSpPr>
+        <p:spPr>
+          <a:xfrm>
+            <a:off x="570335" y="3295928"/>
+            <a:ext cx="6220277" cy="1154306"/>
+          </a:xfrm>
+        </p:spPr>
+        <p:txBody>
+          <a:bodyPr/>
+          <a:lstStyle/>
+          <a:p>
+            <a:r>
+              <a:rPr lang="en-GB" sz="6000" b="1" dirty="0"/>
+              <a:t>Privacy invading?</a:t>
+            </a:r>
+          </a:p>
+        </p:txBody>
+      </p:sp>
+      <p:pic>
+        <p:nvPicPr>
+          <p:cNvPr id="2050" name="Picture 2" descr="Cllr Dick Cole: Keeping up the pressure for a Cornish tick-box">
+            <a:extLst>
+              <a:ext uri="{FF2B5EF4-FFF2-40B4-BE49-F238E27FC236}">
+                <a16:creationId xmlns:a16="http://schemas.microsoft.com/office/drawing/2014/main" id="{A3A97D79-702D-8985-7CF8-9754D3921817}"/>
+              </a:ext>
+            </a:extLst>
+          </p:cNvPr>
+          <p:cNvPicPr>
+            <a:picLocks noChangeAspect="1" noChangeArrowheads="1"/>
+          </p:cNvPicPr>
+          <p:nvPr/>
+        </p:nvPicPr>
+        <p:blipFill>
+          <a:blip r:embed="rId3">
+            <a:extLst>
+              <a:ext uri="{28A0092B-C50C-407E-A947-70E740481C1C}">
+                <a14:useLocalDpi xmlns:a14="http://schemas.microsoft.com/office/drawing/2010/main" val="0"/>
+              </a:ext>
+            </a:extLst>
+          </a:blip>
+          <a:srcRect/>
+          <a:stretch>
+            <a:fillRect/>
+          </a:stretch>
+        </p:blipFill>
+        <p:spPr bwMode="auto">
+          <a:xfrm>
+            <a:off x="6951307" y="1469388"/>
+            <a:ext cx="1180305" cy="1154307"/>
+          </a:xfrm>
+          <a:prstGeom prst="rect">
+            <a:avLst/>
+          </a:prstGeom>
+          <a:noFill/>
+          <a:extLst>
+            <a:ext uri="{909E8E84-426E-40DD-AFC4-6F175D3DCCD1}">
+              <a14:hiddenFill xmlns:a14="http://schemas.microsoft.com/office/drawing/2010/main">
+                <a:solidFill>
+                  <a:srgbClr val="FFFFFF"/>
+                </a:solidFill>
+              </a14:hiddenFill>
+            </a:ext>
+          </a:extLst>
+        </p:spPr>
+      </p:pic>
+      <p:pic>
+        <p:nvPicPr>
+          <p:cNvPr id="5" name="Picture 2" descr="Cllr Dick Cole: Keeping up the pressure for a Cornish tick-box">
+            <a:extLst>
+              <a:ext uri="{FF2B5EF4-FFF2-40B4-BE49-F238E27FC236}">
+                <a16:creationId xmlns:a16="http://schemas.microsoft.com/office/drawing/2014/main" id="{1A94520C-9817-2F2D-0D08-DF281B6B14DB}"/>
+              </a:ext>
+            </a:extLst>
+          </p:cNvPr>
+          <p:cNvPicPr>
+            <a:picLocks noChangeAspect="1" noChangeArrowheads="1"/>
+          </p:cNvPicPr>
+          <p:nvPr/>
+        </p:nvPicPr>
+        <p:blipFill>
+          <a:blip r:embed="rId3">
+            <a:extLst>
+              <a:ext uri="{28A0092B-C50C-407E-A947-70E740481C1C}">
+                <a14:useLocalDpi xmlns:a14="http://schemas.microsoft.com/office/drawing/2010/main" val="0"/>
+              </a:ext>
+            </a:extLst>
+          </a:blip>
+          <a:srcRect/>
+          <a:stretch>
+            <a:fillRect/>
+          </a:stretch>
+        </p:blipFill>
+        <p:spPr bwMode="auto">
+          <a:xfrm>
+            <a:off x="6951308" y="3295927"/>
+            <a:ext cx="1180305" cy="1154307"/>
+          </a:xfrm>
+          <a:prstGeom prst="rect">
+            <a:avLst/>
+          </a:prstGeom>
+          <a:noFill/>
+          <a:extLst>
+            <a:ext uri="{909E8E84-426E-40DD-AFC4-6F175D3DCCD1}">
+              <a14:hiddenFill xmlns:a14="http://schemas.microsoft.com/office/drawing/2010/main">
+                <a:solidFill>
+                  <a:srgbClr val="FFFFFF"/>
+                </a:solidFill>
+              </a14:hiddenFill>
+            </a:ext>
+          </a:extLst>
+        </p:spPr>
+      </p:pic>
+    </p:spTree>
+    <p:extLst>
+      <p:ext uri="{BB962C8B-B14F-4D97-AF65-F5344CB8AC3E}">
+        <p14:creationId xmlns:p14="http://schemas.microsoft.com/office/powerpoint/2010/main" val="2375682944"/>
+      </p:ext>
+    </p:extLst>
+  </p:cSld>
+  <p:clrMapOvr>
+    <a:masterClrMapping/>
+  </p:clrMapOvr>
+  <p:timing>
+    <p:tnLst>
+      <p:par>
+        <p:cTn id="1" dur="indefinite" restart="never" nodeType="tmRoot">
+          <p:childTnLst>
+            <p:seq concurrent="1" nextAc="seek">
+              <p:cTn id="2" dur="indefinite" nodeType="mainSeq">
+                <p:childTnLst>
+                  <p:par>
+                    <p:cTn id="3" fill="hold">
+                      <p:stCondLst>
+                        <p:cond delay="indefinite"/>
+                        <p:cond evt="onBegin" delay="0">
+                          <p:tn val="2"/>
+                        </p:cond>
+                      </p:stCondLst>
+                      <p:childTnLst>
+                        <p:par>
+                          <p:cTn id="4" fill="hold">
+                            <p:stCondLst>
+                              <p:cond delay="0"/>
+                            </p:stCondLst>
+                            <p:childTnLst>
+                              <p:par>
+                                <p:cTn id="5" presetID="1" presetClass="entr" presetSubtype="0" fill="hold" grpId="0" nodeType="afterEffect">
+                                  <p:stCondLst>
+                                    <p:cond delay="0"/>
+                                  </p:stCondLst>
+                                  <p:childTnLst>
+                                    <p:set>
+                                      <p:cBhvr>
+                                        <p:cTn id="6" dur="1" fill="hold">
+                                          <p:stCondLst>
+                                            <p:cond delay="0"/>
+                                          </p:stCondLst>
+                                        </p:cTn>
+                                        <p:tgtEl>
+                                          <p:spTgt spid="2"/>
+                                        </p:tgtEl>
+                                        <p:attrNameLst>
+                                          <p:attrName>style.visibility</p:attrName>
+                                        </p:attrNameLst>
+                                      </p:cBhvr>
+                                      <p:to>
+                                        <p:strVal val="visible"/>
+                                      </p:to>
+                                    </p:set>
+                                  </p:childTnLst>
+                                </p:cTn>
+                              </p:par>
+                            </p:childTnLst>
+                          </p:cTn>
+                        </p:par>
+                      </p:childTnLst>
+                    </p:cTn>
+                  </p:par>
+                  <p:par>
+                    <p:cTn id="7" fill="hold">
+                      <p:stCondLst>
+                        <p:cond delay="indefinite"/>
+                      </p:stCondLst>
+                      <p:childTnLst>
+                        <p:par>
+                          <p:cTn id="8" fill="hold">
+                            <p:stCondLst>
+                              <p:cond delay="0"/>
+                            </p:stCondLst>
+                            <p:childTnLst>
+                              <p:par>
+                                <p:cTn id="9" presetID="1" presetClass="entr" presetSubtype="0" fill="hold" nodeType="clickEffect">
+                                  <p:stCondLst>
+                                    <p:cond delay="0"/>
+                                  </p:stCondLst>
+                                  <p:childTnLst>
+                                    <p:set>
+                                      <p:cBhvr>
+                                        <p:cTn id="10" dur="1" fill="hold">
+                                          <p:stCondLst>
+                                            <p:cond delay="0"/>
+                                          </p:stCondLst>
+                                        </p:cTn>
+                                        <p:tgtEl>
+                                          <p:spTgt spid="2050"/>
+                                        </p:tgtEl>
+                                        <p:attrNameLst>
+                                          <p:attrName>style.visibility</p:attrName>
+                                        </p:attrNameLst>
+                                      </p:cBhvr>
+                                      <p:to>
+                                        <p:strVal val="visible"/>
+                                      </p:to>
+                                    </p:set>
+                                  </p:childTnLst>
+                                </p:cTn>
+                              </p:par>
+                            </p:childTnLst>
+                          </p:cTn>
+                        </p:par>
+                      </p:childTnLst>
+                    </p:cTn>
+                  </p:par>
+                  <p:par>
+                    <p:cTn id="11" fill="hold">
+                      <p:stCondLst>
+                        <p:cond delay="indefinite"/>
+                      </p:stCondLst>
+                      <p:childTnLst>
+                        <p:par>
+                          <p:cTn id="12" fill="hold">
+                            <p:stCondLst>
+                              <p:cond delay="0"/>
+                            </p:stCondLst>
+                            <p:childTnLst>
+                              <p:par>
+                                <p:cTn id="13" presetID="1" presetClass="entr" presetSubtype="0" fill="hold" grpId="0" nodeType="clickEffect">
+                                  <p:stCondLst>
+                                    <p:cond delay="0"/>
+                                  </p:stCondLst>
+                                  <p:childTnLst>
+                                    <p:set>
+                                      <p:cBhvr>
+                                        <p:cTn id="14" dur="1" fill="hold">
+                                          <p:stCondLst>
+                                            <p:cond delay="0"/>
+                                          </p:stCondLst>
+                                        </p:cTn>
+                                        <p:tgtEl>
+                                          <p:spTgt spid="3">
+                                            <p:txEl>
+                                              <p:pRg st="0" end="0"/>
+                                            </p:txEl>
+                                          </p:spTgt>
+                                        </p:tgtEl>
+                                        <p:attrNameLst>
+                                          <p:attrName>style.visibility</p:attrName>
+                                        </p:attrNameLst>
+                                      </p:cBhvr>
+                                      <p:to>
+                                        <p:strVal val="visible"/>
+                                      </p:to>
+                                    </p:set>
+                                  </p:childTnLst>
+                                </p:cTn>
+                              </p:par>
+                            </p:childTnLst>
+                          </p:cTn>
+                        </p:par>
+                      </p:childTnLst>
+                    </p:cTn>
+                  </p:par>
+                  <p:par>
+                    <p:cTn id="15" fill="hold">
+                      <p:stCondLst>
+                        <p:cond delay="indefinite"/>
+                      </p:stCondLst>
+                      <p:childTnLst>
+                        <p:par>
+                          <p:cTn id="16" fill="hold">
+                            <p:stCondLst>
+                              <p:cond delay="0"/>
+                            </p:stCondLst>
+                            <p:childTnLst>
+                              <p:par>
+                                <p:cTn id="17" presetID="1" presetClass="entr" presetSubtype="0" fill="hold" nodeType="clickEffect">
+                                  <p:stCondLst>
+                                    <p:cond delay="0"/>
+                                  </p:stCondLst>
+                                  <p:childTnLst>
+                                    <p:set>
+                                      <p:cBhvr>
+                                        <p:cTn id="18" dur="1" fill="hold">
+                                          <p:stCondLst>
+                                            <p:cond delay="0"/>
+                                          </p:stCondLst>
+                                        </p:cTn>
+                                        <p:tgtEl>
+                                          <p:spTgt spid="5"/>
+                                        </p:tgtEl>
+                                        <p:attrNameLst>
+                                          <p:attrName>style.visibility</p:attrName>
+                                        </p:attrNameLst>
+                                      </p:cBhvr>
+                                      <p:to>
+                                        <p:strVal val="visible"/>
+                                      </p:to>
+                                    </p:set>
+                                  </p:childTnLst>
+                                </p:cTn>
+                              </p:par>
+                            </p:childTnLst>
+                          </p:cTn>
+                        </p:par>
+                      </p:childTnLst>
+                    </p:cTn>
+                  </p:par>
+                </p:childTnLst>
+              </p:cTn>
+              <p:prevCondLst>
+                <p:cond evt="onPrev" delay="0">
+                  <p:tgtEl>
+                    <p:sldTgt/>
+                  </p:tgtEl>
+                </p:cond>
+              </p:prevCondLst>
+              <p:nextCondLst>
+                <p:cond evt="onNext" delay="0">
+                  <p:tgtEl>
+                    <p:sldTgt/>
+                  </p:tgtEl>
+                </p:cond>
+              </p:nextCondLst>
+            </p:seq>
+          </p:childTnLst>
+        </p:cTn>
+      </p:par>
+    </p:tnLst>
+    <p:bldLst>
+      <p:bldP spid="2" grpId="0"/>
+      <p:bldP spid="3" grpId="0" build="p"/>
+    </p:bldLst>
+  </p:timing>
+</p:sld>
+</file>
+
+<file path=ppt/slides/slide6.xml><?xml version="1.0" encoding="utf-8"?>
+<p:sld xmlns:a="http://schemas.openxmlformats.org/drawingml/2006/main" xmlns:r="http://schemas.openxmlformats.org/officeDocument/2006/relationships" xmlns:p="http://schemas.openxmlformats.org/presentationml/2006/main">
+  <p:cSld>
+    <p:spTree>
+      <p:nvGrpSpPr>
+        <p:cNvPr id="1" name=""/>
+        <p:cNvGrpSpPr/>
+        <p:nvPr/>
+      </p:nvGrpSpPr>
+      <p:grpSpPr>
+        <a:xfrm>
+          <a:off x="0" y="0"/>
+          <a:ext cx="0" cy="0"/>
+          <a:chOff x="0" y="0"/>
+          <a:chExt cx="0" cy="0"/>
+        </a:xfrm>
+      </p:grpSpPr>
+      <p:sp>
+        <p:nvSpPr>
+          <p:cNvPr id="2" name="Title 1">
+            <a:extLst>
+              <a:ext uri="{FF2B5EF4-FFF2-40B4-BE49-F238E27FC236}">
                 <a16:creationId xmlns:a16="http://schemas.microsoft.com/office/drawing/2014/main" id="{42D1A202-23A3-4F3A-AA92-0172C8D2DA06}"/>
               </a:ext>
             </a:extLst>
@@ -15903,43 +16800,52 @@
         </p:nvSpPr>
         <p:spPr>
           <a:xfrm>
-            <a:off x="1167492" y="2653167"/>
-            <a:ext cx="9779183" cy="3436483"/>
+            <a:off x="1167493" y="2653167"/>
+            <a:ext cx="5989088" cy="3436483"/>
           </a:xfrm>
         </p:spPr>
         <p:txBody>
           <a:bodyPr vert="horz" lIns="91440" tIns="45720" rIns="91440" bIns="45720" rtlCol="0" anchor="t">
-            <a:normAutofit/>
+            <a:normAutofit lnSpcReduction="10000"/>
           </a:bodyPr>
           <a:lstStyle/>
           <a:p>
-            <a:pPr rtl="0"/>
+            <a:pPr marL="342900" indent="-342900" rtl="0">
+              <a:buFontTx/>
+              <a:buChar char="-"/>
+            </a:pPr>
             <a:r>
               <a:rPr lang="en-GB" dirty="0"/>
-              <a:t>Data security</a:t>
-            </a:r>
-          </a:p>
-          <a:p>
-            <a:pPr rtl="0"/>
+              <a:t>Read the data/product use agreement carefully and opt out of data sharing with 3</a:t>
+            </a:r>
+            <a:r>
+              <a:rPr lang="en-GB" baseline="30000" dirty="0"/>
+              <a:t>rd</a:t>
+            </a:r>
             <a:r>
               <a:rPr lang="en-GB" dirty="0"/>
-              <a:t>Data privacy</a:t>
-            </a:r>
-          </a:p>
-          <a:p>
-            <a:pPr rtl="0"/>
+              <a:t> parties if possible</a:t>
+            </a:r>
+          </a:p>
+          <a:p>
+            <a:pPr marL="342900" indent="-342900" rtl="0">
+              <a:buFontTx/>
+              <a:buChar char="-"/>
+            </a:pPr>
             <a:r>
               <a:rPr lang="en-GB" dirty="0"/>
-              <a:t>Misuse of data already collected</a:t>
-            </a:r>
-          </a:p>
-          <a:p>
-            <a:pPr rtl="0"/>
-            <a:endParaRPr lang="en-GB" dirty="0"/>
-          </a:p>
-          <a:p>
-            <a:pPr rtl="0"/>
-            <a:endParaRPr lang="en-GB" dirty="0"/>
+              <a:t>Consider convenience over risks</a:t>
+            </a:r>
+          </a:p>
+          <a:p>
+            <a:pPr marL="342900" indent="-342900" rtl="0">
+              <a:buFontTx/>
+              <a:buChar char="-"/>
+            </a:pPr>
+            <a:r>
+              <a:rPr lang="en-GB" dirty="0"/>
+              <a:t>Is it necessary to connect the appliance to the internet in order to use it?</a:t>
+            </a:r>
           </a:p>
         </p:txBody>
       </p:sp>
@@ -15973,7 +16879,7 @@
             <a:fld id="{294A09A9-5501-47C1-A89A-A340965A2BE2}" type="slidenum">
               <a:rPr lang="en-GB" smtClean="0"/>
               <a:pPr rtl="0"/>
-              <a:t>4</a:t>
+              <a:t>6</a:t>
             </a:fld>
             <a:endParaRPr lang="en-GB"/>
           </a:p>
@@ -16009,7 +16915,7 @@
           <a:p>
             <a:r>
               <a:rPr lang="en-GB" sz="4000" b="1" dirty="0"/>
-              <a:t>What are the RISKS?</a:t>
+              <a:t>What can a consumer do?</a:t>
             </a:r>
           </a:p>
         </p:txBody>
@@ -16074,7 +16980,7 @@
 </p:sld>
 </file>
 
-<file path=ppt/slides/slide5.xml><?xml version="1.0" encoding="utf-8"?>
+<file path=ppt/slides/slide7.xml><?xml version="1.0" encoding="utf-8"?>
 <p:sld xmlns:a="http://schemas.openxmlformats.org/drawingml/2006/main" xmlns:r="http://schemas.openxmlformats.org/officeDocument/2006/relationships" xmlns:p="http://schemas.openxmlformats.org/presentationml/2006/main">
   <p:cSld>
     <p:spTree>
@@ -16153,7 +17059,7 @@
             <a:fld id="{294A09A9-5501-47C1-A89A-A340965A2BE2}" type="slidenum">
               <a:rPr lang="en-GB" smtClean="0"/>
               <a:pPr rtl="0"/>
-              <a:t>5</a:t>
+              <a:t>7</a:t>
             </a:fld>
             <a:endParaRPr lang="en-GB"/>
           </a:p>
@@ -16177,8 +17083,8 @@
         </p:nvSpPr>
         <p:spPr>
           <a:xfrm>
-            <a:off x="986246" y="1422669"/>
-            <a:ext cx="6579851" cy="3733800"/>
+            <a:off x="524155" y="1849242"/>
+            <a:ext cx="6839381" cy="3733800"/>
           </a:xfrm>
         </p:spPr>
         <p:txBody>
@@ -16196,29 +17102,12 @@
               <a:buChar char="•"/>
             </a:pPr>
             <a:r>
-              <a:rPr lang="en-GB" sz="1800" kern="100" dirty="0">
+              <a:rPr lang="en-GB" sz="2000" kern="100" dirty="0">
                 <a:latin typeface="Calibri" panose="020F0502020204030204" pitchFamily="34" charset="0"/>
                 <a:ea typeface="Calibri" panose="020F0502020204030204" pitchFamily="34" charset="0"/>
                 <a:cs typeface="Times New Roman" panose="02020603050405020304" pitchFamily="18" charset="0"/>
               </a:rPr>
-              <a:t>Customers should </a:t>
-            </a:r>
-            <a:r>
-              <a:rPr lang="en-GB" sz="1800" kern="100" dirty="0">
-                <a:effectLst/>
-                <a:latin typeface="Calibri" panose="020F0502020204030204" pitchFamily="34" charset="0"/>
-                <a:ea typeface="Calibri" panose="020F0502020204030204" pitchFamily="34" charset="0"/>
-                <a:cs typeface="Times New Roman" panose="02020603050405020304" pitchFamily="18" charset="0"/>
-              </a:rPr>
-              <a:t>be able to consent to what data will be collected and how and for how long the data will be stored </a:t>
-            </a:r>
-            <a:r>
-              <a:rPr lang="en-GB" sz="1800" kern="100" dirty="0">
-                <a:latin typeface="Calibri" panose="020F0502020204030204" pitchFamily="34" charset="0"/>
-                <a:ea typeface="Calibri" panose="020F0502020204030204" pitchFamily="34" charset="0"/>
-                <a:cs typeface="Times New Roman" panose="02020603050405020304" pitchFamily="18" charset="0"/>
-              </a:rPr>
-              <a:t>and used</a:t>
+              <a:t>There is a need for some sort of laws and regulations that would protect consumers data - not only the sensitive ones.</a:t>
             </a:r>
           </a:p>
           <a:p>
@@ -16233,13 +17122,12 @@
               <a:buChar char="•"/>
             </a:pPr>
             <a:r>
-              <a:rPr lang="en-GB" sz="1800" kern="100" dirty="0">
-                <a:effectLst/>
+              <a:rPr lang="en-GB" sz="2000" kern="100" dirty="0">
                 <a:latin typeface="Calibri" panose="020F0502020204030204" pitchFamily="34" charset="0"/>
                 <a:ea typeface="Calibri" panose="020F0502020204030204" pitchFamily="34" charset="0"/>
                 <a:cs typeface="Times New Roman" panose="02020603050405020304" pitchFamily="18" charset="0"/>
               </a:rPr>
-              <a:t>Data could/should be anonymised by the company ( can this be guaranteed by some regulations?)</a:t>
+              <a:t>Should there be a professional code of conduct for data scientists/analysts?</a:t>
             </a:r>
           </a:p>
           <a:p>
@@ -16254,37 +17142,13 @@
               <a:buChar char="•"/>
             </a:pPr>
             <a:r>
-              <a:rPr lang="en-GB" sz="1800" kern="100" dirty="0">
-                <a:latin typeface="Calibri" panose="020F0502020204030204" pitchFamily="34" charset="0"/>
-                <a:ea typeface="Calibri" panose="020F0502020204030204" pitchFamily="34" charset="0"/>
-                <a:cs typeface="Times New Roman" panose="02020603050405020304" pitchFamily="18" charset="0"/>
-              </a:rPr>
-              <a:t>Better security features should be a priority to companies that own the product</a:t>
-            </a:r>
-            <a:endParaRPr lang="en-GB" sz="1800" kern="100" dirty="0">
-              <a:effectLst/>
-              <a:latin typeface="Calibri" panose="020F0502020204030204" pitchFamily="34" charset="0"/>
-              <a:ea typeface="Calibri" panose="020F0502020204030204" pitchFamily="34" charset="0"/>
-              <a:cs typeface="Times New Roman" panose="02020603050405020304" pitchFamily="18" charset="0"/>
-            </a:endParaRPr>
-          </a:p>
-          <a:p>
-            <a:pPr marL="685800">
-              <a:lnSpc>
-                <a:spcPct val="107000"/>
-              </a:lnSpc>
-              <a:spcAft>
-                <a:spcPts val="800"/>
-              </a:spcAft>
-            </a:pPr>
-            <a:r>
-              <a:rPr lang="en-GB" sz="1800" kern="100" dirty="0">
+              <a:rPr lang="en-GB" sz="2000" kern="100" dirty="0">
                 <a:effectLst/>
                 <a:latin typeface="Calibri" panose="020F0502020204030204" pitchFamily="34" charset="0"/>
                 <a:ea typeface="Calibri" panose="020F0502020204030204" pitchFamily="34" charset="0"/>
                 <a:cs typeface="Times New Roman" panose="02020603050405020304" pitchFamily="18" charset="0"/>
               </a:rPr>
-              <a:t> DATA SCIENTISTS/DATA ENGINEERS /DATA ANALYSTS</a:t>
+              <a:t>If not, are we leaving the decision to individuals hoping the conscientiousness and moral principles win over financial and power gain.</a:t>
             </a:r>
           </a:p>
           <a:p>
@@ -16298,17 +17162,31 @@
               <a:buFont typeface="Arial" panose="020B0604020202020204" pitchFamily="34" charset="0"/>
               <a:buChar char="•"/>
             </a:pPr>
-            <a:r>
-              <a:rPr lang="en-GB" sz="1800" kern="100" dirty="0">
+            <a:endParaRPr lang="en-GB" sz="2000" kern="100" dirty="0">
+              <a:effectLst/>
+              <a:latin typeface="Calibri" panose="020F0502020204030204" pitchFamily="34" charset="0"/>
+              <a:ea typeface="Calibri" panose="020F0502020204030204" pitchFamily="34" charset="0"/>
+              <a:cs typeface="Times New Roman" panose="02020603050405020304" pitchFamily="18" charset="0"/>
+            </a:endParaRPr>
+          </a:p>
+          <a:p>
+            <a:pPr marL="685800">
+              <a:lnSpc>
+                <a:spcPct val="107000"/>
+              </a:lnSpc>
+              <a:spcAft>
+                <a:spcPts val="800"/>
+              </a:spcAft>
+            </a:pPr>
+            <a:r>
+              <a:rPr lang="en-GB" sz="2000" kern="100" dirty="0">
                 <a:effectLst/>
                 <a:latin typeface="Calibri" panose="020F0502020204030204" pitchFamily="34" charset="0"/>
                 <a:ea typeface="Calibri" panose="020F0502020204030204" pitchFamily="34" charset="0"/>
                 <a:cs typeface="Times New Roman" panose="02020603050405020304" pitchFamily="18" charset="0"/>
               </a:rPr>
-              <a:t>Should there be a professional code of conduct developed or are we leaving the decision to individual hoping the conscientiousness and moral principles win over financial and power gain?</a:t>
-            </a:r>
-          </a:p>
-          <a:p>
+              <a:t> </a:t>
+            </a:r>
             <a:endParaRPr lang="en-GB" dirty="0"/>
           </a:p>
         </p:txBody>
@@ -16373,7 +17251,7 @@
 </p:sld>
 </file>
 
-<file path=ppt/slides/slide6.xml><?xml version="1.0" encoding="utf-8"?>
+<file path=ppt/slides/slide8.xml><?xml version="1.0" encoding="utf-8"?>
 <p:sld xmlns:a="http://schemas.openxmlformats.org/drawingml/2006/main" xmlns:r="http://schemas.openxmlformats.org/officeDocument/2006/relationships" xmlns:p="http://schemas.openxmlformats.org/presentationml/2006/main">
   <p:cSld>
     <p:spTree>
@@ -17265,12 +18143,22 @@
 </file>
 
 <file path=customXml/item1.xml><?xml version="1.0" encoding="utf-8"?>
-<?mso-contentType ?>
-<FormTemplates xmlns="http://schemas.microsoft.com/sharepoint/v3/contenttype/forms">
-  <Display>DocumentLibraryForm</Display>
-  <Edit>DocumentLibraryForm</Edit>
-  <New>DocumentLibraryForm</New>
-</FormTemplates>
+<p:properties xmlns:p="http://schemas.microsoft.com/office/2006/metadata/properties" xmlns:xsi="http://www.w3.org/2001/XMLSchema-instance" xmlns:pc="http://schemas.microsoft.com/office/infopath/2007/PartnerControls">
+  <documentManagement>
+    <_ip_UnifiedCompliancePolicyUIAction xmlns="http://schemas.microsoft.com/sharepoint/v3" xsi:nil="true"/>
+    <Image xmlns="71af3243-3dd4-4a8d-8c0d-dd76da1f02a5">
+      <Url xsi:nil="true"/>
+      <Description xsi:nil="true"/>
+    </Image>
+    <Status xmlns="71af3243-3dd4-4a8d-8c0d-dd76da1f02a5">Not started</Status>
+    <_ip_UnifiedCompliancePolicyProperties xmlns="http://schemas.microsoft.com/sharepoint/v3" xsi:nil="true"/>
+    <ImageTagsTaxHTField xmlns="71af3243-3dd4-4a8d-8c0d-dd76da1f02a5">
+      <Terms xmlns="http://schemas.microsoft.com/office/infopath/2007/PartnerControls"/>
+    </ImageTagsTaxHTField>
+    <TaxCatchAll xmlns="230e9df3-be65-4c73-a93b-d1236ebd677e"/>
+    <MediaServiceKeyPoints xmlns="71af3243-3dd4-4a8d-8c0d-dd76da1f02a5" xsi:nil="true"/>
+  </documentManagement>
+</p:properties>
 </file>
 
 <file path=customXml/item2.xml><?xml version="1.0" encoding="utf-8"?>
@@ -17556,28 +18444,22 @@
 </file>
 
 <file path=customXml/item3.xml><?xml version="1.0" encoding="utf-8"?>
-<p:properties xmlns:p="http://schemas.microsoft.com/office/2006/metadata/properties" xmlns:xsi="http://www.w3.org/2001/XMLSchema-instance" xmlns:pc="http://schemas.microsoft.com/office/infopath/2007/PartnerControls">
-  <documentManagement>
-    <_ip_UnifiedCompliancePolicyUIAction xmlns="http://schemas.microsoft.com/sharepoint/v3" xsi:nil="true"/>
-    <Image xmlns="71af3243-3dd4-4a8d-8c0d-dd76da1f02a5">
-      <Url xsi:nil="true"/>
-      <Description xsi:nil="true"/>
-    </Image>
-    <Status xmlns="71af3243-3dd4-4a8d-8c0d-dd76da1f02a5">Not started</Status>
-    <_ip_UnifiedCompliancePolicyProperties xmlns="http://schemas.microsoft.com/sharepoint/v3" xsi:nil="true"/>
-    <ImageTagsTaxHTField xmlns="71af3243-3dd4-4a8d-8c0d-dd76da1f02a5">
-      <Terms xmlns="http://schemas.microsoft.com/office/infopath/2007/PartnerControls"/>
-    </ImageTagsTaxHTField>
-    <TaxCatchAll xmlns="230e9df3-be65-4c73-a93b-d1236ebd677e"/>
-    <MediaServiceKeyPoints xmlns="71af3243-3dd4-4a8d-8c0d-dd76da1f02a5" xsi:nil="true"/>
-  </documentManagement>
-</p:properties>
+<?mso-contentType ?>
+<FormTemplates xmlns="http://schemas.microsoft.com/sharepoint/v3/contenttype/forms">
+  <Display>DocumentLibraryForm</Display>
+  <Edit>DocumentLibraryForm</Edit>
+  <New>DocumentLibraryForm</New>
+</FormTemplates>
 </file>
 
 <file path=customXml/itemProps1.xml><?xml version="1.0" encoding="utf-8"?>
-<ds:datastoreItem xmlns:ds="http://schemas.openxmlformats.org/officeDocument/2006/customXml" ds:itemID="{85334180-0405-413B-834A-44FA9E05ADB7}">
+<ds:datastoreItem xmlns:ds="http://schemas.openxmlformats.org/officeDocument/2006/customXml" ds:itemID="{4D5BAB77-79E1-4739-AA51-10C9079186D6}">
   <ds:schemaRefs>
-    <ds:schemaRef ds:uri="http://schemas.microsoft.com/sharepoint/v3/contenttype/forms"/>
+    <ds:schemaRef ds:uri="http://schemas.microsoft.com/office/2006/metadata/properties"/>
+    <ds:schemaRef ds:uri="http://schemas.microsoft.com/office/infopath/2007/PartnerControls"/>
+    <ds:schemaRef ds:uri="http://schemas.microsoft.com/sharepoint/v3"/>
+    <ds:schemaRef ds:uri="71af3243-3dd4-4a8d-8c0d-dd76da1f02a5"/>
+    <ds:schemaRef ds:uri="230e9df3-be65-4c73-a93b-d1236ebd677e"/>
   </ds:schemaRefs>
 </ds:datastoreItem>
 </file>
@@ -17604,13 +18486,9 @@
 </file>
 
 <file path=customXml/itemProps3.xml><?xml version="1.0" encoding="utf-8"?>
-<ds:datastoreItem xmlns:ds="http://schemas.openxmlformats.org/officeDocument/2006/customXml" ds:itemID="{4D5BAB77-79E1-4739-AA51-10C9079186D6}">
+<ds:datastoreItem xmlns:ds="http://schemas.openxmlformats.org/officeDocument/2006/customXml" ds:itemID="{85334180-0405-413B-834A-44FA9E05ADB7}">
   <ds:schemaRefs>
-    <ds:schemaRef ds:uri="http://schemas.microsoft.com/office/2006/metadata/properties"/>
-    <ds:schemaRef ds:uri="http://schemas.microsoft.com/office/infopath/2007/PartnerControls"/>
-    <ds:schemaRef ds:uri="http://schemas.microsoft.com/sharepoint/v3"/>
-    <ds:schemaRef ds:uri="71af3243-3dd4-4a8d-8c0d-dd76da1f02a5"/>
-    <ds:schemaRef ds:uri="230e9df3-be65-4c73-a93b-d1236ebd677e"/>
+    <ds:schemaRef ds:uri="http://schemas.microsoft.com/sharepoint/v3/contenttype/forms"/>
   </ds:schemaRefs>
 </ds:datastoreItem>
 </file>
